--- a/restricted/slides10m.pptx
+++ b/restricted/slides10m.pptx
@@ -5,10 +5,10 @@
     <p:sldMasterId id="2147483650" r:id="rId1"/>
   </p:sldMasterIdLst>
   <p:notesMasterIdLst>
-    <p:notesMasterId r:id="rId37"/>
+    <p:notesMasterId r:id="rId36"/>
   </p:notesMasterIdLst>
   <p:handoutMasterIdLst>
-    <p:handoutMasterId r:id="rId38"/>
+    <p:handoutMasterId r:id="rId37"/>
   </p:handoutMasterIdLst>
   <p:sldIdLst>
     <p:sldId id="322" r:id="rId2"/>
@@ -30,46 +30,45 @@
     <p:sldId id="355" r:id="rId18"/>
     <p:sldId id="356" r:id="rId19"/>
     <p:sldId id="357" r:id="rId20"/>
-    <p:sldId id="363" r:id="rId21"/>
-    <p:sldId id="374" r:id="rId22"/>
-    <p:sldId id="375" r:id="rId23"/>
-    <p:sldId id="381" r:id="rId24"/>
-    <p:sldId id="376" r:id="rId25"/>
-    <p:sldId id="387" r:id="rId26"/>
-    <p:sldId id="379" r:id="rId27"/>
-    <p:sldId id="380" r:id="rId28"/>
-    <p:sldId id="382" r:id="rId29"/>
-    <p:sldId id="388" r:id="rId30"/>
-    <p:sldId id="383" r:id="rId31"/>
-    <p:sldId id="389" r:id="rId32"/>
-    <p:sldId id="384" r:id="rId33"/>
-    <p:sldId id="386" r:id="rId34"/>
-    <p:sldId id="385" r:id="rId35"/>
-    <p:sldId id="360" r:id="rId36"/>
+    <p:sldId id="374" r:id="rId21"/>
+    <p:sldId id="375" r:id="rId22"/>
+    <p:sldId id="381" r:id="rId23"/>
+    <p:sldId id="376" r:id="rId24"/>
+    <p:sldId id="387" r:id="rId25"/>
+    <p:sldId id="379" r:id="rId26"/>
+    <p:sldId id="380" r:id="rId27"/>
+    <p:sldId id="382" r:id="rId28"/>
+    <p:sldId id="388" r:id="rId29"/>
+    <p:sldId id="383" r:id="rId30"/>
+    <p:sldId id="389" r:id="rId31"/>
+    <p:sldId id="384" r:id="rId32"/>
+    <p:sldId id="386" r:id="rId33"/>
+    <p:sldId id="385" r:id="rId34"/>
+    <p:sldId id="360" r:id="rId35"/>
   </p:sldIdLst>
   <p:sldSz cx="9144000" cy="6858000" type="screen4x3"/>
   <p:notesSz cx="7315200" cy="9601200"/>
   <p:embeddedFontLst>
     <p:embeddedFont>
       <p:font typeface="Comic Sans MS"/>
-      <p:regular r:id="rId39"/>
-      <p:bold r:id="rId40"/>
+      <p:regular r:id="rId38"/>
+      <p:bold r:id="rId39"/>
     </p:embeddedFont>
     <p:embeddedFont>
       <p:font typeface="Euclid Symbol" charset="2"/>
-      <p:regular r:id="rId41"/>
-      <p:bold r:id="rId42"/>
-      <p:italic r:id="rId43"/>
-      <p:boldItalic r:id="rId44"/>
+      <p:regular r:id="rId40"/>
+      <p:bold r:id="rId41"/>
+      <p:italic r:id="rId42"/>
+      <p:boldItalic r:id="rId43"/>
     </p:embeddedFont>
     <p:embeddedFont>
       <p:font typeface="Euclid Extra" charset="2"/>
-      <p:regular r:id="rId45"/>
-      <p:bold r:id="rId46"/>
+      <p:regular r:id="rId44"/>
+      <p:bold r:id="rId45"/>
     </p:embeddedFont>
   </p:embeddedFontLst>
   <p:custDataLst>
-    <p:tags r:id="rId48"/>
+    <p:tags r:id="rId47"/>
   </p:custDataLst>
   <p:defaultTextStyle>
     <a:defPPr>
@@ -1974,7 +1973,7 @@
             <a:fld id="{E689AE3D-6A17-408F-81EA-CBDE8E5E5D89}" type="slidenum">
               <a:rPr lang="en-US" smtClean="0"/>
               <a:pPr/>
-              <a:t>35</a:t>
+              <a:t>34</a:t>
             </a:fld>
             <a:endParaRPr lang="en-US" smtClean="0"/>
           </a:p>
@@ -2902,11 +2901,7 @@
             </a:r>
             <a:r>
               <a:rPr lang="en-US" dirty="0" smtClean="0"/>
-              <a:t> </a:t>
-            </a:r>
-            <a:r>
-              <a:rPr lang="en-US" dirty="0" smtClean="0"/>
-              <a:t>10M.</a:t>
+              <a:t> 10M.</a:t>
             </a:r>
             <a:fld id="{9C0B6E0F-EDA7-4496-A72F-8E0EBD3F01E4}" type="slidenum">
               <a:rPr lang="en-US" smtClean="0"/>
@@ -3182,11 +3177,7 @@
             </a:r>
             <a:r>
               <a:rPr lang="en-US" dirty="0" smtClean="0"/>
-              <a:t> </a:t>
-            </a:r>
-            <a:r>
-              <a:rPr lang="en-US" dirty="0" smtClean="0"/>
-              <a:t>10M.</a:t>
+              <a:t> 10M.</a:t>
             </a:r>
             <a:fld id="{88EF8437-3F51-4B27-A37C-59DA587AFCDF}" type="slidenum">
               <a:rPr lang="en-US" smtClean="0"/>
@@ -3262,11 +3253,7 @@
             </a:r>
             <a:r>
               <a:rPr lang="en-US" dirty="0" smtClean="0"/>
-              <a:t> </a:t>
-            </a:r>
-            <a:r>
-              <a:rPr lang="en-US" dirty="0" smtClean="0"/>
-              <a:t>10M.</a:t>
+              <a:t> 10M.</a:t>
             </a:r>
             <a:fld id="{B6F1E441-844C-41E3-A135-77978BB3664F}" type="slidenum">
               <a:rPr lang="en-US" smtClean="0"/>
@@ -3588,22 +3575,7 @@
                 <a:uFillTx/>
                 <a:latin typeface="Comic Sans MS" pitchFamily="66" charset="0"/>
               </a:rPr>
-              <a:t>Albert R Meyer</a:t>
-            </a:r>
-            <a:r>
-              <a:rPr kumimoji="0" lang="en-US" sz="1200" b="0" i="0" u="none" strike="noStrike" kern="1200" cap="none" spc="0" normalizeH="0" baseline="0" noProof="0" dirty="0" smtClean="0">
-                <a:ln>
-                  <a:noFill/>
-                </a:ln>
-                <a:solidFill>
-                  <a:schemeClr val="tx1"/>
-                </a:solidFill>
-                <a:effectLst/>
-                <a:uLnTx/>
-                <a:uFillTx/>
-                <a:latin typeface="Comic Sans MS" pitchFamily="66" charset="0"/>
-              </a:rPr>
-              <a:t>,             April 12, 2010</a:t>
+              <a:t>Albert R Meyer,             April 12, 2010</a:t>
             </a:r>
             <a:endParaRPr kumimoji="0" lang="en-US" sz="1200" b="0" i="0" u="none" strike="noStrike" kern="1200" cap="none" spc="0" normalizeH="0" baseline="0" noProof="0" dirty="0">
               <a:ln>
@@ -4774,19 +4746,7 @@
               <a:rPr lang="en-US" sz="4400" dirty="0" smtClean="0">
                 <a:latin typeface="Comic Sans MS" pitchFamily="66" charset="0"/>
               </a:rPr>
-              <a:t>|</a:t>
-            </a:r>
-            <a:r>
-              <a:rPr lang="en-US" sz="4400" dirty="0" smtClean="0">
-                <a:latin typeface="Comic Sans MS" pitchFamily="66" charset="0"/>
-              </a:rPr>
-              <a:t>lineups</a:t>
-            </a:r>
-            <a:r>
-              <a:rPr lang="en-US" sz="4400" dirty="0" smtClean="0">
-                <a:latin typeface="Comic Sans MS" pitchFamily="66" charset="0"/>
-              </a:rPr>
-              <a:t> </a:t>
+              <a:t>|lineups </a:t>
             </a:r>
             <a:r>
               <a:rPr lang="en-US" sz="4400" dirty="0">
@@ -12009,147 +11969,6 @@
 </file>
 
 <file path=ppt/slides/slide20.xml><?xml version="1.0" encoding="utf-8"?>
-<p:sld xmlns:a="http://schemas.openxmlformats.org/drawingml/2006/main" xmlns:r="http://schemas.openxmlformats.org/officeDocument/2006/relationships" xmlns:mc="http://schemas.openxmlformats.org/markup-compatibility/2006" xmlns:mv="urn:schemas-microsoft-com:mac:vml" xmlns:p="http://schemas.openxmlformats.org/presentationml/2006/main" mc:Ignorable="mv" mc:PreserveAttributes="mv:*" show="0">
-  <p:cSld>
-    <p:spTree>
-      <p:nvGrpSpPr>
-        <p:cNvPr id="1" name=""/>
-        <p:cNvGrpSpPr/>
-        <p:nvPr/>
-      </p:nvGrpSpPr>
-      <p:grpSpPr>
-        <a:xfrm>
-          <a:off x="0" y="0"/>
-          <a:ext cx="0" cy="0"/>
-          <a:chOff x="0" y="0"/>
-          <a:chExt cx="0" cy="0"/>
-        </a:xfrm>
-      </p:grpSpPr>
-      <p:sp>
-        <p:nvSpPr>
-          <p:cNvPr id="2" name="Title 1"/>
-          <p:cNvSpPr>
-            <a:spLocks noGrp="1"/>
-          </p:cNvSpPr>
-          <p:nvPr>
-            <p:ph type="title"/>
-          </p:nvPr>
-        </p:nvSpPr>
-        <p:spPr/>
-        <p:txBody>
-          <a:bodyPr/>
-          <a:lstStyle/>
-          <a:p>
-            <a:r>
-              <a:rPr lang="en-US" dirty="0" smtClean="0"/>
-              <a:t>2-pair poker hands</a:t>
-            </a:r>
-            <a:endParaRPr lang="en-US" dirty="0"/>
-          </a:p>
-        </p:txBody>
-      </p:sp>
-      <p:sp>
-        <p:nvSpPr>
-          <p:cNvPr id="3" name="Content Placeholder 2"/>
-          <p:cNvSpPr>
-            <a:spLocks noGrp="1"/>
-          </p:cNvSpPr>
-          <p:nvPr>
-            <p:ph idx="1"/>
-          </p:nvPr>
-        </p:nvSpPr>
-        <p:spPr>
-          <a:xfrm>
-            <a:off x="685800" y="1676400"/>
-            <a:ext cx="7772400" cy="3429000"/>
-          </a:xfrm>
-        </p:spPr>
-        <p:txBody>
-          <a:bodyPr/>
-          <a:lstStyle/>
-          <a:p>
-            <a:r>
-              <a:rPr lang="en-US" sz="3600" dirty="0" smtClean="0"/>
-              <a:t>example: </a:t>
-            </a:r>
-            <a:r>
-              <a:rPr lang="en-US" i="1" dirty="0" smtClean="0"/>
-              <a:t> </a:t>
-            </a:r>
-            <a:r>
-              <a:rPr lang="en-US" dirty="0" smtClean="0"/>
-              <a:t># 2-pair poker hands</a:t>
-            </a:r>
-          </a:p>
-          <a:p>
-            <a:endParaRPr lang="en-US" sz="4800" dirty="0" smtClean="0"/>
-          </a:p>
-          <a:p>
-            <a:pPr algn="ctr"/>
-            <a:r>
-              <a:rPr lang="en-US" sz="4800" dirty="0" smtClean="0"/>
-              <a:t>see scanned document camera notes</a:t>
-            </a:r>
-            <a:endParaRPr lang="en-US" sz="4800" dirty="0"/>
-          </a:p>
-        </p:txBody>
-      </p:sp>
-      <p:sp>
-        <p:nvSpPr>
-          <p:cNvPr id="4" name="Slide Number Placeholder 3"/>
-          <p:cNvSpPr>
-            <a:spLocks noGrp="1"/>
-          </p:cNvSpPr>
-          <p:nvPr>
-            <p:ph type="sldNum" sz="quarter" idx="10"/>
-          </p:nvPr>
-        </p:nvSpPr>
-        <p:spPr/>
-        <p:txBody>
-          <a:bodyPr/>
-          <a:lstStyle/>
-          <a:p>
-            <a:pPr>
-              <a:defRPr/>
-            </a:pPr>
-            <a:r>
-              <a:rPr lang="en-US" dirty="0" err="1" smtClean="0"/>
-              <a:t>lec</a:t>
-            </a:r>
-            <a:r>
-              <a:rPr lang="en-US" dirty="0" smtClean="0"/>
-              <a:t> 10M.</a:t>
-            </a:r>
-            <a:fld id="{9C0B6E0F-EDA7-4496-A72F-8E0EBD3F01E4}" type="slidenum">
-              <a:rPr lang="en-US" smtClean="0"/>
-              <a:pPr>
-                <a:defRPr/>
-              </a:pPr>
-              <a:t>20</a:t>
-            </a:fld>
-            <a:endParaRPr lang="en-US" dirty="0"/>
-          </a:p>
-        </p:txBody>
-      </p:sp>
-    </p:spTree>
-  </p:cSld>
-  <p:clrMapOvr>
-    <a:masterClrMapping/>
-  </p:clrMapOvr>
-  <p:transition>
-    <p:dissolve/>
-  </p:transition>
-  <p:timing>
-    <p:tnLst>
-      <p:par>
-        <p:cTn id="1" dur="indefinite" restart="never" nodeType="tmRoot"/>
-      </p:par>
-    </p:tnLst>
-  </p:timing>
-</p:sld>
-</file>
-
-<file path=ppt/slides/slide21.xml><?xml version="1.0" encoding="utf-8"?>
 <p:sld xmlns:a="http://schemas.openxmlformats.org/drawingml/2006/main" xmlns:r="http://schemas.openxmlformats.org/officeDocument/2006/relationships" xmlns:mc="http://schemas.openxmlformats.org/markup-compatibility/2006" xmlns:mv="urn:schemas-microsoft-com:mac:vml" xmlns:p="http://schemas.openxmlformats.org/presentationml/2006/main" mc:Ignorable="mv" mc:PreserveAttributes="mv:*">
   <p:cSld>
     <p:spTree>
@@ -12302,7 +12121,7 @@
               <a:pPr>
                 <a:defRPr/>
               </a:pPr>
-              <a:t>21</a:t>
+              <a:t>20</a:t>
             </a:fld>
             <a:endParaRPr lang="en-US" dirty="0"/>
           </a:p>
@@ -12548,6 +12367,225 @@
 </p:sld>
 </file>
 
+<file path=ppt/slides/slide21.xml><?xml version="1.0" encoding="utf-8"?>
+<p:sld xmlns:a="http://schemas.openxmlformats.org/drawingml/2006/main" xmlns:r="http://schemas.openxmlformats.org/officeDocument/2006/relationships" xmlns:mc="http://schemas.openxmlformats.org/markup-compatibility/2006" xmlns:mv="urn:schemas-microsoft-com:mac:vml" xmlns:p="http://schemas.openxmlformats.org/presentationml/2006/main" mc:Ignorable="mv" mc:PreserveAttributes="mv:*">
+  <p:cSld>
+    <p:spTree>
+      <p:nvGrpSpPr>
+        <p:cNvPr id="1" name=""/>
+        <p:cNvGrpSpPr/>
+        <p:nvPr/>
+      </p:nvGrpSpPr>
+      <p:grpSpPr>
+        <a:xfrm>
+          <a:off x="0" y="0"/>
+          <a:ext cx="0" cy="0"/>
+          <a:chOff x="0" y="0"/>
+          <a:chExt cx="0" cy="0"/>
+        </a:xfrm>
+      </p:grpSpPr>
+      <p:sp>
+        <p:nvSpPr>
+          <p:cNvPr id="2" name="Title 1"/>
+          <p:cNvSpPr>
+            <a:spLocks noGrp="1"/>
+          </p:cNvSpPr>
+          <p:nvPr>
+            <p:ph type="title"/>
+          </p:nvPr>
+        </p:nvSpPr>
+        <p:spPr/>
+        <p:txBody>
+          <a:bodyPr/>
+          <a:lstStyle/>
+          <a:p>
+            <a:r>
+              <a:rPr lang="en-US" dirty="0" smtClean="0"/>
+              <a:t>counting 2-pair poker hands</a:t>
+            </a:r>
+            <a:endParaRPr lang="en-US" dirty="0"/>
+          </a:p>
+        </p:txBody>
+      </p:sp>
+      <p:sp>
+        <p:nvSpPr>
+          <p:cNvPr id="3" name="Content Placeholder 2"/>
+          <p:cNvSpPr>
+            <a:spLocks noGrp="1"/>
+          </p:cNvSpPr>
+          <p:nvPr>
+            <p:ph idx="1"/>
+          </p:nvPr>
+        </p:nvSpPr>
+        <p:spPr>
+          <a:xfrm>
+            <a:off x="609600" y="1905000"/>
+            <a:ext cx="7848600" cy="3048000"/>
+          </a:xfrm>
+        </p:spPr>
+        <p:txBody>
+          <a:bodyPr/>
+          <a:lstStyle/>
+          <a:p>
+            <a:r>
+              <a:rPr lang="en-US" sz="4800" dirty="0" smtClean="0"/>
+              <a:t>a 2-pair hand:</a:t>
+            </a:r>
+          </a:p>
+          <a:p>
+            <a:r>
+              <a:rPr lang="en-US" sz="6600" dirty="0" smtClean="0">
+                <a:solidFill>
+                  <a:schemeClr val="accent1">
+                    <a:lumMod val="50000"/>
+                  </a:schemeClr>
+                </a:solidFill>
+              </a:rPr>
+              <a:t>K</a:t>
+            </a:r>
+            <a:r>
+              <a:rPr lang="en-US" sz="6600" dirty="0" smtClean="0">
+                <a:solidFill>
+                  <a:srgbClr val="FF0000"/>
+                </a:solidFill>
+              </a:rPr>
+              <a:t>♦</a:t>
+            </a:r>
+            <a:r>
+              <a:rPr lang="en-US" sz="6600" dirty="0" smtClean="0">
+                <a:solidFill>
+                  <a:schemeClr val="accent1">
+                    <a:lumMod val="50000"/>
+                  </a:schemeClr>
+                </a:solidFill>
+              </a:rPr>
+              <a:t>, K</a:t>
+            </a:r>
+            <a:r>
+              <a:rPr lang="en-US" sz="6600" dirty="0" smtClean="0">
+                <a:solidFill>
+                  <a:srgbClr val="FF0000"/>
+                </a:solidFill>
+              </a:rPr>
+              <a:t>♥</a:t>
+            </a:r>
+            <a:r>
+              <a:rPr lang="en-US" sz="6600" dirty="0" smtClean="0">
+                <a:solidFill>
+                  <a:schemeClr val="accent1">
+                    <a:lumMod val="50000"/>
+                  </a:schemeClr>
+                </a:solidFill>
+              </a:rPr>
+              <a:t>, A</a:t>
+            </a:r>
+            <a:r>
+              <a:rPr lang="en-US" sz="6600" dirty="0" smtClean="0">
+                <a:solidFill>
+                  <a:srgbClr val="FF0000"/>
+                </a:solidFill>
+              </a:rPr>
+              <a:t>♦</a:t>
+            </a:r>
+            <a:r>
+              <a:rPr lang="en-US" sz="6600" dirty="0" smtClean="0">
+                <a:solidFill>
+                  <a:schemeClr val="accent1">
+                    <a:lumMod val="50000"/>
+                  </a:schemeClr>
+                </a:solidFill>
+              </a:rPr>
+              <a:t>, A</a:t>
+            </a:r>
+            <a:r>
+              <a:rPr lang="en-US" sz="6600" dirty="0" smtClean="0">
+                <a:solidFill>
+                  <a:schemeClr val="tx2"/>
+                </a:solidFill>
+              </a:rPr>
+              <a:t>♠</a:t>
+            </a:r>
+            <a:r>
+              <a:rPr lang="en-US" sz="6600" dirty="0" smtClean="0">
+                <a:solidFill>
+                  <a:schemeClr val="accent1">
+                    <a:lumMod val="50000"/>
+                  </a:schemeClr>
+                </a:solidFill>
+              </a:rPr>
+              <a:t>, 3</a:t>
+            </a:r>
+            <a:r>
+              <a:rPr lang="en-US" sz="6600" dirty="0" smtClean="0">
+                <a:solidFill>
+                  <a:srgbClr val="000000"/>
+                </a:solidFill>
+              </a:rPr>
+              <a:t>♣</a:t>
+            </a:r>
+            <a:endParaRPr lang="en-US" sz="6600" dirty="0">
+              <a:solidFill>
+                <a:srgbClr val="000000"/>
+              </a:solidFill>
+            </a:endParaRPr>
+          </a:p>
+        </p:txBody>
+      </p:sp>
+      <p:sp>
+        <p:nvSpPr>
+          <p:cNvPr id="4" name="Slide Number Placeholder 3"/>
+          <p:cNvSpPr>
+            <a:spLocks noGrp="1"/>
+          </p:cNvSpPr>
+          <p:nvPr>
+            <p:ph type="sldNum" sz="quarter" idx="10"/>
+          </p:nvPr>
+        </p:nvSpPr>
+        <p:spPr/>
+        <p:txBody>
+          <a:bodyPr/>
+          <a:lstStyle/>
+          <a:p>
+            <a:pPr>
+              <a:defRPr/>
+            </a:pPr>
+            <a:r>
+              <a:rPr lang="en-US" dirty="0" err="1" smtClean="0"/>
+              <a:t>lec</a:t>
+            </a:r>
+            <a:r>
+              <a:rPr lang="en-US" dirty="0" smtClean="0"/>
+              <a:t> 10M.</a:t>
+            </a:r>
+            <a:fld id="{9C0B6E0F-EDA7-4496-A72F-8E0EBD3F01E4}" type="slidenum">
+              <a:rPr lang="en-US" smtClean="0"/>
+              <a:pPr>
+                <a:defRPr/>
+              </a:pPr>
+              <a:t>21</a:t>
+            </a:fld>
+            <a:endParaRPr lang="en-US" dirty="0"/>
+          </a:p>
+        </p:txBody>
+      </p:sp>
+    </p:spTree>
+  </p:cSld>
+  <p:clrMapOvr>
+    <a:masterClrMapping/>
+  </p:clrMapOvr>
+  <p:transition spd="slow">
+    <p:fade/>
+  </p:transition>
+  <p:timing>
+    <p:tnLst>
+      <p:par>
+        <p:cTn id="1" dur="indefinite" restart="never" nodeType="tmRoot"/>
+      </p:par>
+    </p:tnLst>
+  </p:timing>
+</p:sld>
+</file>
+
 <file path=ppt/slides/slide22.xml><?xml version="1.0" encoding="utf-8"?>
 <p:sld xmlns:a="http://schemas.openxmlformats.org/drawingml/2006/main" xmlns:r="http://schemas.openxmlformats.org/officeDocument/2006/relationships" xmlns:mc="http://schemas.openxmlformats.org/markup-compatibility/2006" xmlns:mv="urn:schemas-microsoft-com:mac:vml" xmlns:p="http://schemas.openxmlformats.org/presentationml/2006/main" mc:Ignorable="mv" mc:PreserveAttributes="mv:*">
   <p:cSld>
@@ -12600,8 +12638,8 @@
         </p:nvSpPr>
         <p:spPr>
           <a:xfrm>
-            <a:off x="609600" y="1905000"/>
-            <a:ext cx="7848600" cy="3048000"/>
+            <a:off x="228600" y="1676400"/>
+            <a:ext cx="8763000" cy="3505200"/>
           </a:xfrm>
         </p:spPr>
         <p:txBody>
@@ -12609,102 +12647,88 @@
           <a:lstStyle/>
           <a:p>
             <a:r>
-              <a:rPr lang="en-US" sz="4800" dirty="0" smtClean="0"/>
-              <a:t>a 2-pair hand:</a:t>
-            </a:r>
-          </a:p>
-          <a:p>
-            <a:r>
-              <a:rPr lang="en-US" sz="6600" dirty="0" smtClean="0">
-                <a:solidFill>
-                  <a:schemeClr val="accent1">
-                    <a:lumMod val="50000"/>
-                  </a:schemeClr>
-                </a:solidFill>
-              </a:rPr>
-              <a:t>K</a:t>
-            </a:r>
-            <a:r>
-              <a:rPr lang="en-US" sz="6600" dirty="0" smtClean="0">
-                <a:solidFill>
-                  <a:srgbClr val="FF0000"/>
-                </a:solidFill>
-              </a:rPr>
-              <a:t>♦</a:t>
-            </a:r>
-            <a:r>
-              <a:rPr lang="en-US" sz="6600" dirty="0" smtClean="0">
-                <a:solidFill>
-                  <a:schemeClr val="accent1">
-                    <a:lumMod val="50000"/>
-                  </a:schemeClr>
-                </a:solidFill>
-              </a:rPr>
-              <a:t>, K</a:t>
-            </a:r>
-            <a:r>
-              <a:rPr lang="en-US" sz="6600" dirty="0" smtClean="0">
-                <a:solidFill>
-                  <a:srgbClr val="FF0000"/>
-                </a:solidFill>
-              </a:rPr>
-              <a:t>♥</a:t>
-            </a:r>
-            <a:r>
-              <a:rPr lang="en-US" sz="6600" dirty="0" smtClean="0">
-                <a:solidFill>
-                  <a:schemeClr val="accent1">
-                    <a:lumMod val="50000"/>
-                  </a:schemeClr>
-                </a:solidFill>
-              </a:rPr>
-              <a:t>, A</a:t>
-            </a:r>
-            <a:r>
-              <a:rPr lang="en-US" sz="6600" dirty="0" smtClean="0">
-                <a:solidFill>
-                  <a:srgbClr val="FF0000"/>
-                </a:solidFill>
-              </a:rPr>
-              <a:t>♦</a:t>
-            </a:r>
-            <a:r>
-              <a:rPr lang="en-US" sz="6600" dirty="0" smtClean="0">
-                <a:solidFill>
-                  <a:schemeClr val="accent1">
-                    <a:lumMod val="50000"/>
-                  </a:schemeClr>
-                </a:solidFill>
-              </a:rPr>
-              <a:t>, A</a:t>
-            </a:r>
-            <a:r>
-              <a:rPr lang="en-US" sz="6600" dirty="0" smtClean="0">
-                <a:solidFill>
-                  <a:schemeClr val="tx2"/>
-                </a:solidFill>
-              </a:rPr>
-              <a:t>♠</a:t>
-            </a:r>
-            <a:r>
-              <a:rPr lang="en-US" sz="6600" dirty="0" smtClean="0">
-                <a:solidFill>
-                  <a:schemeClr val="accent1">
-                    <a:lumMod val="50000"/>
-                  </a:schemeClr>
-                </a:solidFill>
-              </a:rPr>
-              <a:t>, 3</a:t>
-            </a:r>
-            <a:r>
-              <a:rPr lang="en-US" sz="6600" dirty="0" smtClean="0">
+              <a:rPr lang="en-US" sz="4400" dirty="0" smtClean="0">
                 <a:solidFill>
                   <a:srgbClr val="000000"/>
                 </a:solidFill>
               </a:rPr>
-              <a:t>♣</a:t>
-            </a:r>
-            <a:endParaRPr lang="en-US" sz="6600" dirty="0">
+              <a:t>to count, choose:</a:t>
+            </a:r>
+          </a:p>
+          <a:p>
+            <a:pPr>
+              <a:buFont typeface="Arial"/>
+              <a:buChar char="•"/>
+            </a:pPr>
+            <a:r>
+              <a:rPr lang="en-US" sz="4400" dirty="0" smtClean="0">
+                <a:solidFill>
+                  <a:srgbClr val="000000"/>
+                </a:solidFill>
+              </a:rPr>
+              <a:t>1</a:t>
+            </a:r>
+            <a:r>
+              <a:rPr lang="en-US" sz="4400" baseline="30000" dirty="0" smtClean="0">
+                <a:solidFill>
+                  <a:srgbClr val="000000"/>
+                </a:solidFill>
+              </a:rPr>
+              <a:t>st</a:t>
+            </a:r>
+            <a:r>
+              <a:rPr lang="en-US" sz="4400" dirty="0" smtClean="0">
+                <a:solidFill>
+                  <a:srgbClr val="000000"/>
+                </a:solidFill>
+              </a:rPr>
+              <a:t> pair rank       (13 ranks)</a:t>
+            </a:r>
+          </a:p>
+          <a:p>
+            <a:pPr>
+              <a:buFont typeface="Arial"/>
+              <a:buChar char="•"/>
+            </a:pPr>
+            <a:r>
+              <a:rPr lang="en-US" sz="4400" dirty="0" smtClean="0">
+                <a:solidFill>
+                  <a:srgbClr val="000000"/>
+                </a:solidFill>
+              </a:rPr>
+              <a:t>2</a:t>
+            </a:r>
+            <a:r>
+              <a:rPr lang="en-US" sz="4400" baseline="30000" dirty="0" smtClean="0">
+                <a:solidFill>
+                  <a:srgbClr val="000000"/>
+                </a:solidFill>
+              </a:rPr>
+              <a:t>nd</a:t>
+            </a:r>
+            <a:r>
+              <a:rPr lang="en-US" sz="4400" dirty="0" smtClean="0">
+                <a:solidFill>
+                  <a:srgbClr val="000000"/>
+                </a:solidFill>
+              </a:rPr>
+              <a:t> pair rank      (12 ranks left)</a:t>
+            </a:r>
+          </a:p>
+          <a:p>
+            <a:pPr>
+              <a:buFont typeface="Arial"/>
+              <a:buChar char="•"/>
+            </a:pPr>
+            <a:r>
+              <a:rPr lang="en-US" sz="4400" dirty="0" smtClean="0">
+                <a:solidFill>
+                  <a:srgbClr val="000000"/>
+                </a:solidFill>
+              </a:rPr>
+              <a:t>last card rank    (11 ranks left)</a:t>
+            </a:r>
+            <a:endParaRPr lang="en-US" sz="4400" dirty="0">
               <a:solidFill>
                 <a:srgbClr val="000000"/>
               </a:solidFill>
@@ -12744,211 +12768,6 @@
                 <a:defRPr/>
               </a:pPr>
               <a:t>22</a:t>
-            </a:fld>
-            <a:endParaRPr lang="en-US" dirty="0"/>
-          </a:p>
-        </p:txBody>
-      </p:sp>
-    </p:spTree>
-  </p:cSld>
-  <p:clrMapOvr>
-    <a:masterClrMapping/>
-  </p:clrMapOvr>
-  <p:transition spd="slow">
-    <p:fade/>
-  </p:transition>
-  <p:timing>
-    <p:tnLst>
-      <p:par>
-        <p:cTn id="1" dur="indefinite" restart="never" nodeType="tmRoot"/>
-      </p:par>
-    </p:tnLst>
-  </p:timing>
-</p:sld>
-</file>
-
-<file path=ppt/slides/slide23.xml><?xml version="1.0" encoding="utf-8"?>
-<p:sld xmlns:a="http://schemas.openxmlformats.org/drawingml/2006/main" xmlns:r="http://schemas.openxmlformats.org/officeDocument/2006/relationships" xmlns:mc="http://schemas.openxmlformats.org/markup-compatibility/2006" xmlns:mv="urn:schemas-microsoft-com:mac:vml" xmlns:p="http://schemas.openxmlformats.org/presentationml/2006/main" mc:Ignorable="mv" mc:PreserveAttributes="mv:*">
-  <p:cSld>
-    <p:spTree>
-      <p:nvGrpSpPr>
-        <p:cNvPr id="1" name=""/>
-        <p:cNvGrpSpPr/>
-        <p:nvPr/>
-      </p:nvGrpSpPr>
-      <p:grpSpPr>
-        <a:xfrm>
-          <a:off x="0" y="0"/>
-          <a:ext cx="0" cy="0"/>
-          <a:chOff x="0" y="0"/>
-          <a:chExt cx="0" cy="0"/>
-        </a:xfrm>
-      </p:grpSpPr>
-      <p:sp>
-        <p:nvSpPr>
-          <p:cNvPr id="2" name="Title 1"/>
-          <p:cNvSpPr>
-            <a:spLocks noGrp="1"/>
-          </p:cNvSpPr>
-          <p:nvPr>
-            <p:ph type="title"/>
-          </p:nvPr>
-        </p:nvSpPr>
-        <p:spPr/>
-        <p:txBody>
-          <a:bodyPr/>
-          <a:lstStyle/>
-          <a:p>
-            <a:r>
-              <a:rPr lang="en-US" dirty="0" smtClean="0"/>
-              <a:t>counting 2-pair poker hands</a:t>
-            </a:r>
-            <a:endParaRPr lang="en-US" dirty="0"/>
-          </a:p>
-        </p:txBody>
-      </p:sp>
-      <p:sp>
-        <p:nvSpPr>
-          <p:cNvPr id="3" name="Content Placeholder 2"/>
-          <p:cNvSpPr>
-            <a:spLocks noGrp="1"/>
-          </p:cNvSpPr>
-          <p:nvPr>
-            <p:ph idx="1"/>
-          </p:nvPr>
-        </p:nvSpPr>
-        <p:spPr>
-          <a:xfrm>
-            <a:off x="228600" y="1676400"/>
-            <a:ext cx="8763000" cy="3505200"/>
-          </a:xfrm>
-        </p:spPr>
-        <p:txBody>
-          <a:bodyPr/>
-          <a:lstStyle/>
-          <a:p>
-            <a:r>
-              <a:rPr lang="en-US" sz="4400" dirty="0" smtClean="0">
-                <a:solidFill>
-                  <a:srgbClr val="000000"/>
-                </a:solidFill>
-              </a:rPr>
-              <a:t>to count, choose:</a:t>
-            </a:r>
-          </a:p>
-          <a:p>
-            <a:pPr>
-              <a:buFont typeface="Arial"/>
-              <a:buChar char="•"/>
-            </a:pPr>
-            <a:r>
-              <a:rPr lang="en-US" sz="4400" dirty="0" smtClean="0">
-                <a:solidFill>
-                  <a:srgbClr val="000000"/>
-                </a:solidFill>
-              </a:rPr>
-              <a:t>1</a:t>
-            </a:r>
-            <a:r>
-              <a:rPr lang="en-US" sz="4400" baseline="30000" dirty="0" smtClean="0">
-                <a:solidFill>
-                  <a:srgbClr val="000000"/>
-                </a:solidFill>
-              </a:rPr>
-              <a:t>st</a:t>
-            </a:r>
-            <a:r>
-              <a:rPr lang="en-US" sz="4400" dirty="0" smtClean="0">
-                <a:solidFill>
-                  <a:srgbClr val="000000"/>
-                </a:solidFill>
-              </a:rPr>
-              <a:t> pair rank       (13 ranks)</a:t>
-            </a:r>
-          </a:p>
-          <a:p>
-            <a:pPr>
-              <a:buFont typeface="Arial"/>
-              <a:buChar char="•"/>
-            </a:pPr>
-            <a:r>
-              <a:rPr lang="en-US" sz="4400" dirty="0" smtClean="0">
-                <a:solidFill>
-                  <a:srgbClr val="000000"/>
-                </a:solidFill>
-              </a:rPr>
-              <a:t>2</a:t>
-            </a:r>
-            <a:r>
-              <a:rPr lang="en-US" sz="4400" baseline="30000" dirty="0" smtClean="0">
-                <a:solidFill>
-                  <a:srgbClr val="000000"/>
-                </a:solidFill>
-              </a:rPr>
-              <a:t>nd</a:t>
-            </a:r>
-            <a:r>
-              <a:rPr lang="en-US" sz="4400" dirty="0" smtClean="0">
-                <a:solidFill>
-                  <a:srgbClr val="000000"/>
-                </a:solidFill>
-              </a:rPr>
-              <a:t> pair rank      (12 ranks left)</a:t>
-            </a:r>
-          </a:p>
-          <a:p>
-            <a:pPr>
-              <a:buFont typeface="Arial"/>
-              <a:buChar char="•"/>
-            </a:pPr>
-            <a:r>
-              <a:rPr lang="en-US" sz="4400" dirty="0" smtClean="0">
-                <a:solidFill>
-                  <a:srgbClr val="000000"/>
-                </a:solidFill>
-              </a:rPr>
-              <a:t>last card rank    (11 ranks left)</a:t>
-            </a:r>
-            <a:endParaRPr lang="en-US" sz="4400" dirty="0">
-              <a:solidFill>
-                <a:srgbClr val="000000"/>
-              </a:solidFill>
-            </a:endParaRPr>
-          </a:p>
-        </p:txBody>
-      </p:sp>
-      <p:sp>
-        <p:nvSpPr>
-          <p:cNvPr id="4" name="Slide Number Placeholder 3"/>
-          <p:cNvSpPr>
-            <a:spLocks noGrp="1"/>
-          </p:cNvSpPr>
-          <p:nvPr>
-            <p:ph type="sldNum" sz="quarter" idx="10"/>
-          </p:nvPr>
-        </p:nvSpPr>
-        <p:spPr/>
-        <p:txBody>
-          <a:bodyPr/>
-          <a:lstStyle/>
-          <a:p>
-            <a:pPr>
-              <a:defRPr/>
-            </a:pPr>
-            <a:r>
-              <a:rPr lang="en-US" dirty="0" err="1" smtClean="0"/>
-              <a:t>lec</a:t>
-            </a:r>
-            <a:r>
-              <a:rPr lang="en-US" dirty="0" smtClean="0"/>
-              <a:t> 10M.</a:t>
-            </a:r>
-            <a:fld id="{9C0B6E0F-EDA7-4496-A72F-8E0EBD3F01E4}" type="slidenum">
-              <a:rPr lang="en-US" smtClean="0"/>
-              <a:pPr>
-                <a:defRPr/>
-              </a:pPr>
-              <a:t>23</a:t>
             </a:fld>
             <a:endParaRPr lang="en-US" dirty="0"/>
           </a:p>
@@ -13145,7 +12964,7 @@
 </p:sld>
 </file>
 
-<file path=ppt/slides/slide24.xml><?xml version="1.0" encoding="utf-8"?>
+<file path=ppt/slides/slide23.xml><?xml version="1.0" encoding="utf-8"?>
 <p:sld xmlns:a="http://schemas.openxmlformats.org/drawingml/2006/main" xmlns:r="http://schemas.openxmlformats.org/officeDocument/2006/relationships" xmlns:mc="http://schemas.openxmlformats.org/markup-compatibility/2006" xmlns:mv="urn:schemas-microsoft-com:mac:vml" xmlns:p="http://schemas.openxmlformats.org/presentationml/2006/main" mc:Ignorable="mv" mc:PreserveAttributes="mv:*">
   <p:cSld>
     <p:spTree>
@@ -13346,7 +13165,7 @@
               <a:pPr>
                 <a:defRPr/>
               </a:pPr>
-              <a:t>24</a:t>
+              <a:t>23</a:t>
             </a:fld>
             <a:endParaRPr lang="en-US" dirty="0"/>
           </a:p>
@@ -13592,7 +13411,7 @@
 </p:sld>
 </file>
 
-<file path=ppt/slides/slide25.xml><?xml version="1.0" encoding="utf-8"?>
+<file path=ppt/slides/slide24.xml><?xml version="1.0" encoding="utf-8"?>
 <p:sld xmlns:a="http://schemas.openxmlformats.org/drawingml/2006/main" xmlns:r="http://schemas.openxmlformats.org/officeDocument/2006/relationships" xmlns:mc="http://schemas.openxmlformats.org/markup-compatibility/2006" xmlns:mv="urn:schemas-microsoft-com:mac:vml" xmlns:p="http://schemas.openxmlformats.org/presentationml/2006/main" mc:Ignorable="mv" mc:PreserveAttributes="mv:*">
   <p:cSld>
     <p:spTree>
@@ -13663,7 +13482,7 @@
               <a:pPr>
                 <a:defRPr/>
               </a:pPr>
-              <a:t>25</a:t>
+              <a:t>24</a:t>
             </a:fld>
             <a:endParaRPr lang="en-US" dirty="0"/>
           </a:p>
@@ -14238,7 +14057,7 @@
 </p:sld>
 </file>
 
-<file path=ppt/slides/slide26.xml><?xml version="1.0" encoding="utf-8"?>
+<file path=ppt/slides/slide25.xml><?xml version="1.0" encoding="utf-8"?>
 <p:sld xmlns:a="http://schemas.openxmlformats.org/drawingml/2006/main" xmlns:r="http://schemas.openxmlformats.org/officeDocument/2006/relationships" xmlns:mc="http://schemas.openxmlformats.org/markup-compatibility/2006" xmlns:mv="urn:schemas-microsoft-com:mac:vml" xmlns:p="http://schemas.openxmlformats.org/presentationml/2006/main" mc:Ignorable="mv" mc:PreserveAttributes="mv:*">
   <p:cSld>
     <p:spTree>
@@ -14345,7 +14164,7 @@
               <a:pPr>
                 <a:defRPr/>
               </a:pPr>
-              <a:t>26</a:t>
+              <a:t>25</a:t>
             </a:fld>
             <a:endParaRPr lang="en-US" dirty="0"/>
           </a:p>
@@ -14601,7 +14420,7 @@
 </p:sld>
 </file>
 
-<file path=ppt/slides/slide27.xml><?xml version="1.0" encoding="utf-8"?>
+<file path=ppt/slides/slide26.xml><?xml version="1.0" encoding="utf-8"?>
 <p:sld xmlns:a="http://schemas.openxmlformats.org/drawingml/2006/main" xmlns:r="http://schemas.openxmlformats.org/officeDocument/2006/relationships" xmlns:mc="http://schemas.openxmlformats.org/markup-compatibility/2006" xmlns:mv="urn:schemas-microsoft-com:mac:vml" xmlns:p="http://schemas.openxmlformats.org/presentationml/2006/main" mc:Ignorable="mv" mc:PreserveAttributes="mv:*">
   <p:cSld>
     <p:spTree>
@@ -14884,7 +14703,7 @@
               <a:pPr>
                 <a:defRPr/>
               </a:pPr>
-              <a:t>27</a:t>
+              <a:t>26</a:t>
             </a:fld>
             <a:endParaRPr lang="en-US" dirty="0"/>
           </a:p>
@@ -15285,7 +15104,7 @@
 </p:sld>
 </file>
 
-<file path=ppt/slides/slide28.xml><?xml version="1.0" encoding="utf-8"?>
+<file path=ppt/slides/slide27.xml><?xml version="1.0" encoding="utf-8"?>
 <p:sld xmlns:a="http://schemas.openxmlformats.org/drawingml/2006/main" xmlns:r="http://schemas.openxmlformats.org/officeDocument/2006/relationships" xmlns:mc="http://schemas.openxmlformats.org/markup-compatibility/2006" xmlns:mv="urn:schemas-microsoft-com:mac:vml" xmlns:p="http://schemas.openxmlformats.org/presentationml/2006/main" mc:Ignorable="mv" mc:PreserveAttributes="mv:*">
   <p:cSld>
     <p:spTree>
@@ -15432,7 +15251,7 @@
               <a:pPr>
                 <a:defRPr/>
               </a:pPr>
-              <a:t>28</a:t>
+              <a:t>27</a:t>
             </a:fld>
             <a:endParaRPr lang="en-US" dirty="0"/>
           </a:p>
@@ -16850,7 +16669,7 @@
 </p:sld>
 </file>
 
-<file path=ppt/slides/slide29.xml><?xml version="1.0" encoding="utf-8"?>
+<file path=ppt/slides/slide28.xml><?xml version="1.0" encoding="utf-8"?>
 <p:sld xmlns:a="http://schemas.openxmlformats.org/drawingml/2006/main" xmlns:r="http://schemas.openxmlformats.org/officeDocument/2006/relationships" xmlns:mc="http://schemas.openxmlformats.org/markup-compatibility/2006" xmlns:mv="urn:schemas-microsoft-com:mac:vml" xmlns:p="http://schemas.openxmlformats.org/presentationml/2006/main" mc:Ignorable="mv" mc:PreserveAttributes="mv:*" show="0">
   <p:cSld>
     <p:spTree>
@@ -17031,7 +16850,7 @@
               <a:pPr>
                 <a:defRPr/>
               </a:pPr>
-              <a:t>29</a:t>
+              <a:t>28</a:t>
             </a:fld>
             <a:endParaRPr lang="en-US" dirty="0"/>
           </a:p>
@@ -17049,6 +16868,398 @@
     <p:tnLst>
       <p:par>
         <p:cTn id="1" dur="indefinite" restart="never" nodeType="tmRoot"/>
+      </p:par>
+    </p:tnLst>
+  </p:timing>
+</p:sld>
+</file>
+
+<file path=ppt/slides/slide29.xml><?xml version="1.0" encoding="utf-8"?>
+<p:sld xmlns:a="http://schemas.openxmlformats.org/drawingml/2006/main" xmlns:r="http://schemas.openxmlformats.org/officeDocument/2006/relationships" xmlns:mc="http://schemas.openxmlformats.org/markup-compatibility/2006" xmlns:mv="urn:schemas-microsoft-com:mac:vml" xmlns:p="http://schemas.openxmlformats.org/presentationml/2006/main" mc:Ignorable="mv" mc:PreserveAttributes="mv:*">
+  <p:cSld>
+    <p:spTree>
+      <p:nvGrpSpPr>
+        <p:cNvPr id="1" name=""/>
+        <p:cNvGrpSpPr/>
+        <p:nvPr/>
+      </p:nvGrpSpPr>
+      <p:grpSpPr>
+        <a:xfrm>
+          <a:off x="0" y="0"/>
+          <a:ext cx="0" cy="0"/>
+          <a:chOff x="0" y="0"/>
+          <a:chExt cx="0" cy="0"/>
+        </a:xfrm>
+      </p:grpSpPr>
+      <p:sp>
+        <p:nvSpPr>
+          <p:cNvPr id="2" name="Title 1"/>
+          <p:cNvSpPr>
+            <a:spLocks noGrp="1"/>
+          </p:cNvSpPr>
+          <p:nvPr>
+            <p:ph type="title"/>
+          </p:nvPr>
+        </p:nvSpPr>
+        <p:spPr/>
+        <p:txBody>
+          <a:bodyPr/>
+          <a:lstStyle/>
+          <a:p>
+            <a:r>
+              <a:rPr lang="en-US" dirty="0" smtClean="0"/>
+              <a:t>counting 2-pair poker hands</a:t>
+            </a:r>
+            <a:endParaRPr lang="en-US" dirty="0"/>
+          </a:p>
+        </p:txBody>
+      </p:sp>
+      <p:sp>
+        <p:nvSpPr>
+          <p:cNvPr id="3" name="Content Placeholder 2"/>
+          <p:cNvSpPr>
+            <a:spLocks noGrp="1"/>
+          </p:cNvSpPr>
+          <p:nvPr>
+            <p:ph idx="1"/>
+          </p:nvPr>
+        </p:nvSpPr>
+        <p:spPr>
+          <a:xfrm>
+            <a:off x="228600" y="1676400"/>
+            <a:ext cx="8763000" cy="3505200"/>
+          </a:xfrm>
+        </p:spPr>
+        <p:txBody>
+          <a:bodyPr/>
+          <a:lstStyle/>
+          <a:p>
+            <a:r>
+              <a:rPr lang="en-US" sz="4400" dirty="0" smtClean="0">
+                <a:solidFill>
+                  <a:srgbClr val="000000"/>
+                </a:solidFill>
+              </a:rPr>
+              <a:t>to count, choose:</a:t>
+            </a:r>
+          </a:p>
+          <a:p>
+            <a:pPr>
+              <a:buFont typeface="Arial"/>
+              <a:buChar char="•"/>
+            </a:pPr>
+            <a:r>
+              <a:rPr lang="en-US" sz="4400" dirty="0" smtClean="0"/>
+              <a:t>1</a:t>
+            </a:r>
+            <a:r>
+              <a:rPr lang="en-US" sz="4400" baseline="30000" dirty="0" smtClean="0"/>
+              <a:t>st</a:t>
+            </a:r>
+            <a:r>
+              <a:rPr lang="en-US" sz="4400" dirty="0" smtClean="0"/>
+              <a:t> pair rank       (13 ranks)</a:t>
+            </a:r>
+          </a:p>
+          <a:p>
+            <a:pPr>
+              <a:buFont typeface="Arial"/>
+              <a:buChar char="•"/>
+            </a:pPr>
+            <a:r>
+              <a:rPr lang="en-US" sz="4400" dirty="0" smtClean="0"/>
+              <a:t>2</a:t>
+            </a:r>
+            <a:r>
+              <a:rPr lang="en-US" sz="4400" baseline="30000" dirty="0" smtClean="0"/>
+              <a:t>nd</a:t>
+            </a:r>
+            <a:r>
+              <a:rPr lang="en-US" sz="4400" dirty="0" smtClean="0"/>
+              <a:t> pair ra</a:t>
+            </a:r>
+            <a:r>
+              <a:rPr lang="en-US" sz="4400" dirty="0" smtClean="0">
+                <a:solidFill>
+                  <a:srgbClr val="000000"/>
+                </a:solidFill>
+              </a:rPr>
+              <a:t>nk      (12 ranks left)</a:t>
+            </a:r>
+          </a:p>
+          <a:p>
+            <a:pPr>
+              <a:buFont typeface="Arial"/>
+              <a:buChar char="•"/>
+            </a:pPr>
+            <a:r>
+              <a:rPr lang="en-US" sz="4400" dirty="0" smtClean="0">
+                <a:solidFill>
+                  <a:srgbClr val="000000"/>
+                </a:solidFill>
+              </a:rPr>
+              <a:t>last card rank    (11 ranks left)</a:t>
+            </a:r>
+            <a:endParaRPr lang="en-US" sz="4400" dirty="0">
+              <a:solidFill>
+                <a:srgbClr val="000000"/>
+              </a:solidFill>
+            </a:endParaRPr>
+          </a:p>
+        </p:txBody>
+      </p:sp>
+      <p:sp>
+        <p:nvSpPr>
+          <p:cNvPr id="4" name="Slide Number Placeholder 3"/>
+          <p:cNvSpPr>
+            <a:spLocks noGrp="1"/>
+          </p:cNvSpPr>
+          <p:nvPr>
+            <p:ph type="sldNum" sz="quarter" idx="10"/>
+          </p:nvPr>
+        </p:nvSpPr>
+        <p:spPr/>
+        <p:txBody>
+          <a:bodyPr/>
+          <a:lstStyle/>
+          <a:p>
+            <a:pPr>
+              <a:defRPr/>
+            </a:pPr>
+            <a:r>
+              <a:rPr lang="en-US" dirty="0" err="1" smtClean="0"/>
+              <a:t>lec</a:t>
+            </a:r>
+            <a:r>
+              <a:rPr lang="en-US" dirty="0" smtClean="0"/>
+              <a:t> 10M.</a:t>
+            </a:r>
+            <a:fld id="{9C0B6E0F-EDA7-4496-A72F-8E0EBD3F01E4}" type="slidenum">
+              <a:rPr lang="en-US" smtClean="0"/>
+              <a:pPr>
+                <a:defRPr/>
+              </a:pPr>
+              <a:t>29</a:t>
+            </a:fld>
+            <a:endParaRPr lang="en-US" dirty="0"/>
+          </a:p>
+        </p:txBody>
+      </p:sp>
+      <p:grpSp>
+        <p:nvGrpSpPr>
+          <p:cNvPr id="11" name="Group 10"/>
+          <p:cNvGrpSpPr/>
+          <p:nvPr/>
+        </p:nvGrpSpPr>
+        <p:grpSpPr>
+          <a:xfrm>
+            <a:off x="56285" y="1295400"/>
+            <a:ext cx="8763006" cy="2958246"/>
+            <a:chOff x="56285" y="1295400"/>
+            <a:chExt cx="8763006" cy="2958246"/>
+          </a:xfrm>
+        </p:grpSpPr>
+        <p:sp>
+          <p:nvSpPr>
+            <p:cNvPr id="9" name="Oval Callout 8"/>
+            <p:cNvSpPr/>
+            <p:nvPr/>
+          </p:nvSpPr>
+          <p:spPr bwMode="auto">
+            <a:xfrm rot="11020943">
+              <a:off x="56285" y="2409187"/>
+              <a:ext cx="2854237" cy="1844459"/>
+            </a:xfrm>
+            <a:prstGeom prst="wedgeEllipseCallout">
+              <a:avLst>
+                <a:gd name="adj1" fmla="val -146480"/>
+                <a:gd name="adj2" fmla="val 85415"/>
+              </a:avLst>
+            </a:prstGeom>
+            <a:noFill/>
+            <a:ln w="44450" cap="flat" cmpd="sng" algn="ctr">
+              <a:solidFill>
+                <a:srgbClr val="FF00FF"/>
+              </a:solidFill>
+              <a:prstDash val="sysDash"/>
+              <a:round/>
+              <a:headEnd type="none" w="med" len="med"/>
+              <a:tailEnd type="triangle" w="med" len="med"/>
+            </a:ln>
+            <a:effectLst/>
+          </p:spPr>
+          <p:txBody>
+            <a:bodyPr vert="horz" wrap="square" lIns="91440" tIns="45720" rIns="91440" bIns="45720" numCol="1" rtlCol="0" anchor="t" anchorCtr="0" compatLnSpc="1">
+              <a:prstTxWarp prst="textNoShape">
+                <a:avLst/>
+              </a:prstTxWarp>
+              <a:spAutoFit/>
+            </a:bodyPr>
+            <a:lstStyle/>
+            <a:p>
+              <a:pPr marL="342900" marR="0" indent="-342900" algn="l" defTabSz="914400" rtl="0" eaLnBrk="1" fontAlgn="base" latinLnBrk="0" hangingPunct="1">
+                <a:lnSpc>
+                  <a:spcPct val="100000"/>
+                </a:lnSpc>
+                <a:spcBef>
+                  <a:spcPct val="20000"/>
+                </a:spcBef>
+                <a:spcAft>
+                  <a:spcPct val="0"/>
+                </a:spcAft>
+                <a:buClrTx/>
+                <a:buSzTx/>
+                <a:buFontTx/>
+                <a:buNone/>
+                <a:tabLst/>
+              </a:pPr>
+              <a:endParaRPr kumimoji="0" lang="en-US" sz="3200" b="0" i="0" u="none" strike="noStrike" cap="none" normalizeH="0" baseline="0" smtClean="0">
+                <a:ln>
+                  <a:noFill/>
+                </a:ln>
+                <a:solidFill>
+                  <a:schemeClr val="tx1"/>
+                </a:solidFill>
+                <a:effectLst/>
+                <a:latin typeface="Times New Roman" pitchFamily="18" charset="0"/>
+              </a:endParaRPr>
+            </a:p>
+          </p:txBody>
+        </p:sp>
+        <p:sp>
+          <p:nvSpPr>
+            <p:cNvPr id="10" name="TextBox 9"/>
+            <p:cNvSpPr txBox="1"/>
+            <p:nvPr/>
+          </p:nvSpPr>
+          <p:spPr>
+            <a:xfrm>
+              <a:off x="5638800" y="1295400"/>
+              <a:ext cx="3180491" cy="1107996"/>
+            </a:xfrm>
+            <a:prstGeom prst="rect">
+              <a:avLst/>
+            </a:prstGeom>
+            <a:noFill/>
+          </p:spPr>
+          <p:txBody>
+            <a:bodyPr wrap="none" rtlCol="0">
+              <a:spAutoFit/>
+            </a:bodyPr>
+            <a:lstStyle/>
+            <a:p>
+              <a:r>
+                <a:rPr lang="en-US" sz="6600" dirty="0" smtClean="0">
+                  <a:solidFill>
+                    <a:srgbClr val="FF00FF"/>
+                  </a:solidFill>
+                  <a:latin typeface="Comic Sans MS"/>
+                  <a:cs typeface="Comic Sans MS"/>
+                </a:rPr>
+                <a:t>the bug</a:t>
+              </a:r>
+              <a:endParaRPr lang="en-US" sz="6600" dirty="0">
+                <a:solidFill>
+                  <a:srgbClr val="FF00FF"/>
+                </a:solidFill>
+                <a:latin typeface="Comic Sans MS"/>
+                <a:cs typeface="Comic Sans MS"/>
+              </a:endParaRPr>
+            </a:p>
+          </p:txBody>
+        </p:sp>
+      </p:grpSp>
+    </p:spTree>
+  </p:cSld>
+  <p:clrMapOvr>
+    <a:masterClrMapping/>
+  </p:clrMapOvr>
+  <p:transition spd="slow" advClick="0" advTm="500">
+    <p:fade/>
+  </p:transition>
+  <p:timing>
+    <p:tnLst>
+      <p:par>
+        <p:cTn id="1" dur="indefinite" restart="never" nodeType="tmRoot">
+          <p:childTnLst>
+            <p:seq concurrent="1" nextAc="seek">
+              <p:cTn id="2" dur="indefinite" nodeType="mainSeq">
+                <p:childTnLst>
+                  <p:par>
+                    <p:cTn id="3" fill="hold">
+                      <p:stCondLst>
+                        <p:cond delay="indefinite"/>
+                        <p:cond evt="onBegin" delay="0">
+                          <p:tn val="2"/>
+                        </p:cond>
+                      </p:stCondLst>
+                      <p:childTnLst>
+                        <p:par>
+                          <p:cTn id="4" fill="hold">
+                            <p:stCondLst>
+                              <p:cond delay="0"/>
+                            </p:stCondLst>
+                            <p:childTnLst>
+                              <p:par>
+                                <p:cTn id="5" presetID="22" presetClass="entr" presetSubtype="2" fill="hold" nodeType="afterEffect">
+                                  <p:stCondLst>
+                                    <p:cond delay="0"/>
+                                  </p:stCondLst>
+                                  <p:childTnLst>
+                                    <p:set>
+                                      <p:cBhvr>
+                                        <p:cTn id="6" dur="1" fill="hold">
+                                          <p:stCondLst>
+                                            <p:cond delay="0"/>
+                                          </p:stCondLst>
+                                        </p:cTn>
+                                        <p:tgtEl>
+                                          <p:spTgt spid="11"/>
+                                        </p:tgtEl>
+                                        <p:attrNameLst>
+                                          <p:attrName>style.visibility</p:attrName>
+                                        </p:attrNameLst>
+                                      </p:cBhvr>
+                                      <p:to>
+                                        <p:strVal val="visible"/>
+                                      </p:to>
+                                    </p:set>
+                                    <p:animEffect transition="in" filter="wipe(right)">
+                                      <p:cBhvr>
+                                        <p:cTn id="7" dur="1000"/>
+                                        <p:tgtEl>
+                                          <p:spTgt spid="11"/>
+                                        </p:tgtEl>
+                                      </p:cBhvr>
+                                    </p:animEffect>
+                                  </p:childTnLst>
+                                </p:cTn>
+                              </p:par>
+                            </p:childTnLst>
+                          </p:cTn>
+                        </p:par>
+                      </p:childTnLst>
+                    </p:cTn>
+                  </p:par>
+                </p:childTnLst>
+              </p:cTn>
+              <p:prevCondLst>
+                <p:cond evt="onPrev" delay="0">
+                  <p:tgtEl>
+                    <p:sldTgt/>
+                  </p:tgtEl>
+                </p:cond>
+              </p:prevCondLst>
+              <p:nextCondLst>
+                <p:cond evt="onNext" delay="0">
+                  <p:tgtEl>
+                    <p:sldTgt/>
+                  </p:tgtEl>
+                </p:cond>
+              </p:nextCondLst>
+            </p:seq>
+          </p:childTnLst>
+        </p:cTn>
       </p:par>
     </p:tnLst>
   </p:timing>
@@ -17922,16 +18133,36 @@
               <a:buChar char="•"/>
             </a:pPr>
             <a:r>
-              <a:rPr lang="en-US" sz="4400" dirty="0" smtClean="0"/>
+              <a:rPr lang="en-US" sz="4400" dirty="0" smtClean="0">
+                <a:solidFill>
+                  <a:schemeClr val="accent2"/>
+                </a:solidFill>
+              </a:rPr>
               <a:t>1</a:t>
             </a:r>
             <a:r>
-              <a:rPr lang="en-US" sz="4400" baseline="30000" dirty="0" smtClean="0"/>
+              <a:rPr lang="en-US" sz="4400" baseline="30000" dirty="0" smtClean="0">
+                <a:solidFill>
+                  <a:schemeClr val="accent2"/>
+                </a:solidFill>
+              </a:rPr>
               <a:t>st</a:t>
             </a:r>
             <a:r>
-              <a:rPr lang="en-US" sz="4400" dirty="0" smtClean="0"/>
-              <a:t> pair rank       (13 ranks)</a:t>
+              <a:rPr lang="en-US" sz="4400" dirty="0" smtClean="0">
+                <a:solidFill>
+                  <a:schemeClr val="accent2"/>
+                </a:solidFill>
+              </a:rPr>
+              <a:t> pair</a:t>
+            </a:r>
+            <a:r>
+              <a:rPr lang="en-US" sz="4400" dirty="0" smtClean="0">
+                <a:solidFill>
+                  <a:srgbClr val="000000"/>
+                </a:solidFill>
+              </a:rPr>
+              <a:t> rank       (13 ranks)</a:t>
             </a:r>
           </a:p>
           <a:p>
@@ -17940,24 +18171,36 @@
               <a:buChar char="•"/>
             </a:pPr>
             <a:r>
-              <a:rPr lang="en-US" sz="4400" dirty="0" smtClean="0"/>
+              <a:rPr lang="en-US" sz="4400" dirty="0" smtClean="0">
+                <a:solidFill>
+                  <a:srgbClr val="CC0000"/>
+                </a:solidFill>
+              </a:rPr>
               <a:t>2</a:t>
             </a:r>
             <a:r>
-              <a:rPr lang="en-US" sz="4400" baseline="30000" dirty="0" smtClean="0"/>
+              <a:rPr lang="en-US" sz="4400" baseline="30000" dirty="0" smtClean="0">
+                <a:solidFill>
+                  <a:srgbClr val="CC0000"/>
+                </a:solidFill>
+              </a:rPr>
               <a:t>nd</a:t>
             </a:r>
             <a:r>
-              <a:rPr lang="en-US" sz="4400" dirty="0" smtClean="0"/>
-              <a:t> pair ra</a:t>
-            </a:r>
-            <a:r>
               <a:rPr lang="en-US" sz="4400" dirty="0" smtClean="0">
                 <a:solidFill>
+                  <a:srgbClr val="CC0000"/>
+                </a:solidFill>
+              </a:rPr>
+              <a:t> pair</a:t>
+            </a:r>
+            <a:r>
+              <a:rPr lang="en-US" sz="4400" dirty="0" smtClean="0">
+                <a:solidFill>
                   <a:srgbClr val="000000"/>
                 </a:solidFill>
               </a:rPr>
-              <a:t>nk      (12 ranks left)</a:t>
+              <a:t> rank      (12 ranks left)</a:t>
             </a:r>
           </a:p>
           <a:p>
@@ -18013,430 +18256,6 @@
                 <a:defRPr/>
               </a:pPr>
               <a:t>30</a:t>
-            </a:fld>
-            <a:endParaRPr lang="en-US" dirty="0"/>
-          </a:p>
-        </p:txBody>
-      </p:sp>
-      <p:grpSp>
-        <p:nvGrpSpPr>
-          <p:cNvPr id="11" name="Group 10"/>
-          <p:cNvGrpSpPr/>
-          <p:nvPr/>
-        </p:nvGrpSpPr>
-        <p:grpSpPr>
-          <a:xfrm>
-            <a:off x="56285" y="1295400"/>
-            <a:ext cx="8763006" cy="2958246"/>
-            <a:chOff x="56285" y="1295400"/>
-            <a:chExt cx="8763006" cy="2958246"/>
-          </a:xfrm>
-        </p:grpSpPr>
-        <p:sp>
-          <p:nvSpPr>
-            <p:cNvPr id="9" name="Oval Callout 8"/>
-            <p:cNvSpPr/>
-            <p:nvPr/>
-          </p:nvSpPr>
-          <p:spPr bwMode="auto">
-            <a:xfrm rot="11020943">
-              <a:off x="56285" y="2409187"/>
-              <a:ext cx="2854237" cy="1844459"/>
-            </a:xfrm>
-            <a:prstGeom prst="wedgeEllipseCallout">
-              <a:avLst>
-                <a:gd name="adj1" fmla="val -146480"/>
-                <a:gd name="adj2" fmla="val 85415"/>
-              </a:avLst>
-            </a:prstGeom>
-            <a:noFill/>
-            <a:ln w="44450" cap="flat" cmpd="sng" algn="ctr">
-              <a:solidFill>
-                <a:srgbClr val="FF00FF"/>
-              </a:solidFill>
-              <a:prstDash val="sysDash"/>
-              <a:round/>
-              <a:headEnd type="none" w="med" len="med"/>
-              <a:tailEnd type="triangle" w="med" len="med"/>
-            </a:ln>
-            <a:effectLst/>
-          </p:spPr>
-          <p:txBody>
-            <a:bodyPr vert="horz" wrap="square" lIns="91440" tIns="45720" rIns="91440" bIns="45720" numCol="1" rtlCol="0" anchor="t" anchorCtr="0" compatLnSpc="1">
-              <a:prstTxWarp prst="textNoShape">
-                <a:avLst/>
-              </a:prstTxWarp>
-              <a:spAutoFit/>
-            </a:bodyPr>
-            <a:lstStyle/>
-            <a:p>
-              <a:pPr marL="342900" marR="0" indent="-342900" algn="l" defTabSz="914400" rtl="0" eaLnBrk="1" fontAlgn="base" latinLnBrk="0" hangingPunct="1">
-                <a:lnSpc>
-                  <a:spcPct val="100000"/>
-                </a:lnSpc>
-                <a:spcBef>
-                  <a:spcPct val="20000"/>
-                </a:spcBef>
-                <a:spcAft>
-                  <a:spcPct val="0"/>
-                </a:spcAft>
-                <a:buClrTx/>
-                <a:buSzTx/>
-                <a:buFontTx/>
-                <a:buNone/>
-                <a:tabLst/>
-              </a:pPr>
-              <a:endParaRPr kumimoji="0" lang="en-US" sz="3200" b="0" i="0" u="none" strike="noStrike" cap="none" normalizeH="0" baseline="0" smtClean="0">
-                <a:ln>
-                  <a:noFill/>
-                </a:ln>
-                <a:solidFill>
-                  <a:schemeClr val="tx1"/>
-                </a:solidFill>
-                <a:effectLst/>
-                <a:latin typeface="Times New Roman" pitchFamily="18" charset="0"/>
-              </a:endParaRPr>
-            </a:p>
-          </p:txBody>
-        </p:sp>
-        <p:sp>
-          <p:nvSpPr>
-            <p:cNvPr id="10" name="TextBox 9"/>
-            <p:cNvSpPr txBox="1"/>
-            <p:nvPr/>
-          </p:nvSpPr>
-          <p:spPr>
-            <a:xfrm>
-              <a:off x="5638800" y="1295400"/>
-              <a:ext cx="3180491" cy="1107996"/>
-            </a:xfrm>
-            <a:prstGeom prst="rect">
-              <a:avLst/>
-            </a:prstGeom>
-            <a:noFill/>
-          </p:spPr>
-          <p:txBody>
-            <a:bodyPr wrap="none" rtlCol="0">
-              <a:spAutoFit/>
-            </a:bodyPr>
-            <a:lstStyle/>
-            <a:p>
-              <a:r>
-                <a:rPr lang="en-US" sz="6600" dirty="0" smtClean="0">
-                  <a:solidFill>
-                    <a:srgbClr val="FF00FF"/>
-                  </a:solidFill>
-                  <a:latin typeface="Comic Sans MS"/>
-                  <a:cs typeface="Comic Sans MS"/>
-                </a:rPr>
-                <a:t>the bug</a:t>
-              </a:r>
-              <a:endParaRPr lang="en-US" sz="6600" dirty="0">
-                <a:solidFill>
-                  <a:srgbClr val="FF00FF"/>
-                </a:solidFill>
-                <a:latin typeface="Comic Sans MS"/>
-                <a:cs typeface="Comic Sans MS"/>
-              </a:endParaRPr>
-            </a:p>
-          </p:txBody>
-        </p:sp>
-      </p:grpSp>
-    </p:spTree>
-  </p:cSld>
-  <p:clrMapOvr>
-    <a:masterClrMapping/>
-  </p:clrMapOvr>
-  <p:transition spd="slow" advClick="0" advTm="500">
-    <p:fade/>
-  </p:transition>
-  <p:timing>
-    <p:tnLst>
-      <p:par>
-        <p:cTn id="1" dur="indefinite" restart="never" nodeType="tmRoot">
-          <p:childTnLst>
-            <p:seq concurrent="1" nextAc="seek">
-              <p:cTn id="2" dur="indefinite" nodeType="mainSeq">
-                <p:childTnLst>
-                  <p:par>
-                    <p:cTn id="3" fill="hold">
-                      <p:stCondLst>
-                        <p:cond delay="indefinite"/>
-                        <p:cond evt="onBegin" delay="0">
-                          <p:tn val="2"/>
-                        </p:cond>
-                      </p:stCondLst>
-                      <p:childTnLst>
-                        <p:par>
-                          <p:cTn id="4" fill="hold">
-                            <p:stCondLst>
-                              <p:cond delay="0"/>
-                            </p:stCondLst>
-                            <p:childTnLst>
-                              <p:par>
-                                <p:cTn id="5" presetID="22" presetClass="entr" presetSubtype="2" fill="hold" nodeType="afterEffect">
-                                  <p:stCondLst>
-                                    <p:cond delay="0"/>
-                                  </p:stCondLst>
-                                  <p:childTnLst>
-                                    <p:set>
-                                      <p:cBhvr>
-                                        <p:cTn id="6" dur="1" fill="hold">
-                                          <p:stCondLst>
-                                            <p:cond delay="0"/>
-                                          </p:stCondLst>
-                                        </p:cTn>
-                                        <p:tgtEl>
-                                          <p:spTgt spid="11"/>
-                                        </p:tgtEl>
-                                        <p:attrNameLst>
-                                          <p:attrName>style.visibility</p:attrName>
-                                        </p:attrNameLst>
-                                      </p:cBhvr>
-                                      <p:to>
-                                        <p:strVal val="visible"/>
-                                      </p:to>
-                                    </p:set>
-                                    <p:animEffect transition="in" filter="wipe(right)">
-                                      <p:cBhvr>
-                                        <p:cTn id="7" dur="1000"/>
-                                        <p:tgtEl>
-                                          <p:spTgt spid="11"/>
-                                        </p:tgtEl>
-                                      </p:cBhvr>
-                                    </p:animEffect>
-                                  </p:childTnLst>
-                                </p:cTn>
-                              </p:par>
-                            </p:childTnLst>
-                          </p:cTn>
-                        </p:par>
-                      </p:childTnLst>
-                    </p:cTn>
-                  </p:par>
-                </p:childTnLst>
-              </p:cTn>
-              <p:prevCondLst>
-                <p:cond evt="onPrev" delay="0">
-                  <p:tgtEl>
-                    <p:sldTgt/>
-                  </p:tgtEl>
-                </p:cond>
-              </p:prevCondLst>
-              <p:nextCondLst>
-                <p:cond evt="onNext" delay="0">
-                  <p:tgtEl>
-                    <p:sldTgt/>
-                  </p:tgtEl>
-                </p:cond>
-              </p:nextCondLst>
-            </p:seq>
-          </p:childTnLst>
-        </p:cTn>
-      </p:par>
-    </p:tnLst>
-  </p:timing>
-</p:sld>
-</file>
-
-<file path=ppt/slides/slide31.xml><?xml version="1.0" encoding="utf-8"?>
-<p:sld xmlns:a="http://schemas.openxmlformats.org/drawingml/2006/main" xmlns:r="http://schemas.openxmlformats.org/officeDocument/2006/relationships" xmlns:mc="http://schemas.openxmlformats.org/markup-compatibility/2006" xmlns:mv="urn:schemas-microsoft-com:mac:vml" xmlns:p="http://schemas.openxmlformats.org/presentationml/2006/main" mc:Ignorable="mv" mc:PreserveAttributes="mv:*">
-  <p:cSld>
-    <p:spTree>
-      <p:nvGrpSpPr>
-        <p:cNvPr id="1" name=""/>
-        <p:cNvGrpSpPr/>
-        <p:nvPr/>
-      </p:nvGrpSpPr>
-      <p:grpSpPr>
-        <a:xfrm>
-          <a:off x="0" y="0"/>
-          <a:ext cx="0" cy="0"/>
-          <a:chOff x="0" y="0"/>
-          <a:chExt cx="0" cy="0"/>
-        </a:xfrm>
-      </p:grpSpPr>
-      <p:sp>
-        <p:nvSpPr>
-          <p:cNvPr id="2" name="Title 1"/>
-          <p:cNvSpPr>
-            <a:spLocks noGrp="1"/>
-          </p:cNvSpPr>
-          <p:nvPr>
-            <p:ph type="title"/>
-          </p:nvPr>
-        </p:nvSpPr>
-        <p:spPr/>
-        <p:txBody>
-          <a:bodyPr/>
-          <a:lstStyle/>
-          <a:p>
-            <a:r>
-              <a:rPr lang="en-US" dirty="0" smtClean="0"/>
-              <a:t>counting 2-pair poker hands</a:t>
-            </a:r>
-            <a:endParaRPr lang="en-US" dirty="0"/>
-          </a:p>
-        </p:txBody>
-      </p:sp>
-      <p:sp>
-        <p:nvSpPr>
-          <p:cNvPr id="3" name="Content Placeholder 2"/>
-          <p:cNvSpPr>
-            <a:spLocks noGrp="1"/>
-          </p:cNvSpPr>
-          <p:nvPr>
-            <p:ph idx="1"/>
-          </p:nvPr>
-        </p:nvSpPr>
-        <p:spPr>
-          <a:xfrm>
-            <a:off x="228600" y="1676400"/>
-            <a:ext cx="8763000" cy="3505200"/>
-          </a:xfrm>
-        </p:spPr>
-        <p:txBody>
-          <a:bodyPr/>
-          <a:lstStyle/>
-          <a:p>
-            <a:r>
-              <a:rPr lang="en-US" sz="4400" dirty="0" smtClean="0">
-                <a:solidFill>
-                  <a:srgbClr val="000000"/>
-                </a:solidFill>
-              </a:rPr>
-              <a:t>to count, choose:</a:t>
-            </a:r>
-          </a:p>
-          <a:p>
-            <a:pPr>
-              <a:buFont typeface="Arial"/>
-              <a:buChar char="•"/>
-            </a:pPr>
-            <a:r>
-              <a:rPr lang="en-US" sz="4400" dirty="0" smtClean="0">
-                <a:solidFill>
-                  <a:schemeClr val="accent2"/>
-                </a:solidFill>
-              </a:rPr>
-              <a:t>1</a:t>
-            </a:r>
-            <a:r>
-              <a:rPr lang="en-US" sz="4400" baseline="30000" dirty="0" smtClean="0">
-                <a:solidFill>
-                  <a:schemeClr val="accent2"/>
-                </a:solidFill>
-              </a:rPr>
-              <a:t>st</a:t>
-            </a:r>
-            <a:r>
-              <a:rPr lang="en-US" sz="4400" dirty="0" smtClean="0">
-                <a:solidFill>
-                  <a:schemeClr val="accent2"/>
-                </a:solidFill>
-              </a:rPr>
-              <a:t> pair</a:t>
-            </a:r>
-            <a:r>
-              <a:rPr lang="en-US" sz="4400" dirty="0" smtClean="0">
-                <a:solidFill>
-                  <a:srgbClr val="000000"/>
-                </a:solidFill>
-              </a:rPr>
-              <a:t> rank       (13 ranks)</a:t>
-            </a:r>
-          </a:p>
-          <a:p>
-            <a:pPr>
-              <a:buFont typeface="Arial"/>
-              <a:buChar char="•"/>
-            </a:pPr>
-            <a:r>
-              <a:rPr lang="en-US" sz="4400" dirty="0" smtClean="0">
-                <a:solidFill>
-                  <a:srgbClr val="CC0000"/>
-                </a:solidFill>
-              </a:rPr>
-              <a:t>2</a:t>
-            </a:r>
-            <a:r>
-              <a:rPr lang="en-US" sz="4400" baseline="30000" dirty="0" smtClean="0">
-                <a:solidFill>
-                  <a:srgbClr val="CC0000"/>
-                </a:solidFill>
-              </a:rPr>
-              <a:t>nd</a:t>
-            </a:r>
-            <a:r>
-              <a:rPr lang="en-US" sz="4400" dirty="0" smtClean="0">
-                <a:solidFill>
-                  <a:srgbClr val="CC0000"/>
-                </a:solidFill>
-              </a:rPr>
-              <a:t> pair</a:t>
-            </a:r>
-            <a:r>
-              <a:rPr lang="en-US" sz="4400" dirty="0" smtClean="0">
-                <a:solidFill>
-                  <a:srgbClr val="000000"/>
-                </a:solidFill>
-              </a:rPr>
-              <a:t> rank      (12 ranks left)</a:t>
-            </a:r>
-          </a:p>
-          <a:p>
-            <a:pPr>
-              <a:buFont typeface="Arial"/>
-              <a:buChar char="•"/>
-            </a:pPr>
-            <a:r>
-              <a:rPr lang="en-US" sz="4400" dirty="0" smtClean="0">
-                <a:solidFill>
-                  <a:srgbClr val="000000"/>
-                </a:solidFill>
-              </a:rPr>
-              <a:t>last card rank    (11 ranks left)</a:t>
-            </a:r>
-            <a:endParaRPr lang="en-US" sz="4400" dirty="0">
-              <a:solidFill>
-                <a:srgbClr val="000000"/>
-              </a:solidFill>
-            </a:endParaRPr>
-          </a:p>
-        </p:txBody>
-      </p:sp>
-      <p:sp>
-        <p:nvSpPr>
-          <p:cNvPr id="4" name="Slide Number Placeholder 3"/>
-          <p:cNvSpPr>
-            <a:spLocks noGrp="1"/>
-          </p:cNvSpPr>
-          <p:nvPr>
-            <p:ph type="sldNum" sz="quarter" idx="10"/>
-          </p:nvPr>
-        </p:nvSpPr>
-        <p:spPr/>
-        <p:txBody>
-          <a:bodyPr/>
-          <a:lstStyle/>
-          <a:p>
-            <a:pPr>
-              <a:defRPr/>
-            </a:pPr>
-            <a:r>
-              <a:rPr lang="en-US" dirty="0" err="1" smtClean="0"/>
-              <a:t>lec</a:t>
-            </a:r>
-            <a:r>
-              <a:rPr lang="en-US" dirty="0" smtClean="0"/>
-              <a:t> 10M.</a:t>
-            </a:r>
-            <a:fld id="{9C0B6E0F-EDA7-4496-A72F-8E0EBD3F01E4}" type="slidenum">
-              <a:rPr lang="en-US" smtClean="0"/>
-              <a:pPr>
-                <a:defRPr/>
-              </a:pPr>
-              <a:t>31</a:t>
             </a:fld>
             <a:endParaRPr lang="en-US" dirty="0"/>
           </a:p>
@@ -18757,7 +18576,7 @@
 </p:sld>
 </file>
 
-<file path=ppt/slides/slide32.xml><?xml version="1.0" encoding="utf-8"?>
+<file path=ppt/slides/slide31.xml><?xml version="1.0" encoding="utf-8"?>
 <p:sld xmlns:a="http://schemas.openxmlformats.org/drawingml/2006/main" xmlns:r="http://schemas.openxmlformats.org/officeDocument/2006/relationships" xmlns:mc="http://schemas.openxmlformats.org/markup-compatibility/2006" xmlns:mv="urn:schemas-microsoft-com:mac:vml" xmlns:p="http://schemas.openxmlformats.org/presentationml/2006/main" mc:Ignorable="mv" mc:PreserveAttributes="mv:*">
   <p:cSld>
     <p:spTree>
@@ -18828,7 +18647,7 @@
               <a:pPr>
                 <a:defRPr/>
               </a:pPr>
-              <a:t>32</a:t>
+              <a:t>31</a:t>
             </a:fld>
             <a:endParaRPr lang="en-US" dirty="0"/>
           </a:p>
@@ -19712,7 +19531,7 @@
 </p:sld>
 </file>
 
-<file path=ppt/slides/slide33.xml><?xml version="1.0" encoding="utf-8"?>
+<file path=ppt/slides/slide32.xml><?xml version="1.0" encoding="utf-8"?>
 <p:sld xmlns:a="http://schemas.openxmlformats.org/drawingml/2006/main" xmlns:r="http://schemas.openxmlformats.org/officeDocument/2006/relationships" xmlns:mc="http://schemas.openxmlformats.org/markup-compatibility/2006" xmlns:mv="urn:schemas-microsoft-com:mac:vml" xmlns:p="http://schemas.openxmlformats.org/presentationml/2006/main" mc:Ignorable="mv" mc:PreserveAttributes="mv:*">
   <p:cSld>
     <p:spTree>
@@ -19819,7 +19638,7 @@
               <a:pPr>
                 <a:defRPr/>
               </a:pPr>
-              <a:t>33</a:t>
+              <a:t>32</a:t>
             </a:fld>
             <a:endParaRPr lang="en-US" dirty="0"/>
           </a:p>
@@ -19905,7 +19724,7 @@
 </p:sld>
 </file>
 
-<file path=ppt/slides/slide34.xml><?xml version="1.0" encoding="utf-8"?>
+<file path=ppt/slides/slide33.xml><?xml version="1.0" encoding="utf-8"?>
 <p:sld xmlns:a="http://schemas.openxmlformats.org/drawingml/2006/main" xmlns:r="http://schemas.openxmlformats.org/officeDocument/2006/relationships" xmlns:mc="http://schemas.openxmlformats.org/markup-compatibility/2006" xmlns:mv="urn:schemas-microsoft-com:mac:vml" xmlns:p="http://schemas.openxmlformats.org/presentationml/2006/main" mc:Ignorable="mv" mc:PreserveAttributes="mv:*">
   <p:cSld>
     <p:spTree>
@@ -20020,7 +19839,7 @@
               <a:pPr>
                 <a:defRPr/>
               </a:pPr>
-              <a:t>34</a:t>
+              <a:t>33</a:t>
             </a:fld>
             <a:endParaRPr lang="en-US" dirty="0"/>
           </a:p>
@@ -20160,7 +19979,7 @@
 </p:sld>
 </file>
 
-<file path=ppt/slides/slide35.xml><?xml version="1.0" encoding="utf-8"?>
+<file path=ppt/slides/slide34.xml><?xml version="1.0" encoding="utf-8"?>
 <p:sld xmlns:a="http://schemas.openxmlformats.org/drawingml/2006/main" xmlns:r="http://schemas.openxmlformats.org/officeDocument/2006/relationships" xmlns:mc="http://schemas.openxmlformats.org/markup-compatibility/2006" xmlns:mv="urn:schemas-microsoft-com:mac:vml" xmlns:p="http://schemas.openxmlformats.org/presentationml/2006/main" mc:Ignorable="mv" mc:PreserveAttributes="mv:*">
   <p:cSld>
     <p:spTree>
@@ -20205,7 +20024,7 @@
             <a:fld id="{1AE0D404-3822-4C5A-9A72-4C4379810D29}" type="slidenum">
               <a:rPr lang="en-US" smtClean="0"/>
               <a:pPr/>
-              <a:t>35</a:t>
+              <a:t>34</a:t>
             </a:fld>
             <a:endParaRPr lang="en-US" dirty="0" smtClean="0"/>
           </a:p>
